--- a/materials/result.pptx
+++ b/materials/result.pptx
@@ -104,6 +104,11 @@
       </a:defRPr>
     </a:lvl9pPr>
   </p:defaultTextStyle>
+  <p:extLst>
+    <p:ext uri="{EFAFB233-063F-42B5-8137-9DF3F51BA10A}">
+      <p15:sldGuideLst xmlns:p15="http://schemas.microsoft.com/office/powerpoint/2012/main"/>
+    </p:ext>
+  </p:extLst>
 </p:presentation>
 </file>
 
@@ -120,26 +125,18 @@
   <pc:docChgLst>
     <pc:chgData name="kaiki harada" userId="fb5b290d4bae07b6" providerId="LiveId" clId="{83F6B588-06D2-42B8-9C6A-AB901833EA57}"/>
     <pc:docChg chg="custSel modSld">
-      <pc:chgData name="kaiki harada" userId="fb5b290d4bae07b6" providerId="LiveId" clId="{83F6B588-06D2-42B8-9C6A-AB901833EA57}" dt="2025-07-02T02:48:46.465" v="1" actId="478"/>
+      <pc:chgData name="kaiki harada" userId="fb5b290d4bae07b6" providerId="LiveId" clId="{83F6B588-06D2-42B8-9C6A-AB901833EA57}" dt="2025-07-09T01:09:01.109" v="75" actId="14100"/>
       <pc:docMkLst>
         <pc:docMk/>
       </pc:docMkLst>
       <pc:sldChg chg="delSp modSp mod">
-        <pc:chgData name="kaiki harada" userId="fb5b290d4bae07b6" providerId="LiveId" clId="{83F6B588-06D2-42B8-9C6A-AB901833EA57}" dt="2025-07-02T02:48:46.465" v="1" actId="478"/>
+        <pc:chgData name="kaiki harada" userId="fb5b290d4bae07b6" providerId="LiveId" clId="{83F6B588-06D2-42B8-9C6A-AB901833EA57}" dt="2025-07-09T01:09:01.109" v="75" actId="14100"/>
         <pc:sldMkLst>
           <pc:docMk/>
           <pc:sldMk cId="2471741572" sldId="256"/>
         </pc:sldMkLst>
-        <pc:spChg chg="del mod">
-          <ac:chgData name="kaiki harada" userId="fb5b290d4bae07b6" providerId="LiveId" clId="{83F6B588-06D2-42B8-9C6A-AB901833EA57}" dt="2025-07-02T02:48:46.465" v="1" actId="478"/>
-          <ac:spMkLst>
-            <pc:docMk/>
-            <pc:sldMk cId="2471741572" sldId="256"/>
-            <ac:spMk id="2" creationId="{65D77F3C-9AFA-0F02-E689-88657C65FF6D}"/>
-          </ac:spMkLst>
-        </pc:spChg>
         <pc:spChg chg="mod">
-          <ac:chgData name="kaiki harada" userId="fb5b290d4bae07b6" providerId="LiveId" clId="{83F6B588-06D2-42B8-9C6A-AB901833EA57}" dt="2025-07-02T02:48:36.304" v="0"/>
+          <ac:chgData name="kaiki harada" userId="fb5b290d4bae07b6" providerId="LiveId" clId="{83F6B588-06D2-42B8-9C6A-AB901833EA57}" dt="2025-07-09T01:09:01.109" v="75" actId="14100"/>
           <ac:spMkLst>
             <pc:docMk/>
             <pc:sldMk cId="2471741572" sldId="256"/>
@@ -283,7 +280,7 @@
           <a:p>
             <a:fld id="{42CDF164-742C-4B65-937F-101B803BD6BD}" type="datetimeFigureOut">
               <a:rPr kumimoji="1" lang="ja-JP" altLang="en-US" smtClean="0"/>
-              <a:t>2025/7/2</a:t>
+              <a:t>2025/7/9</a:t>
             </a:fld>
             <a:endParaRPr kumimoji="1" lang="ja-JP" altLang="en-US"/>
           </a:p>
@@ -485,7 +482,7 @@
           <a:p>
             <a:fld id="{42CDF164-742C-4B65-937F-101B803BD6BD}" type="datetimeFigureOut">
               <a:rPr kumimoji="1" lang="ja-JP" altLang="en-US" smtClean="0"/>
-              <a:t>2025/7/2</a:t>
+              <a:t>2025/7/9</a:t>
             </a:fld>
             <a:endParaRPr kumimoji="1" lang="ja-JP" altLang="en-US"/>
           </a:p>
@@ -697,7 +694,7 @@
           <a:p>
             <a:fld id="{42CDF164-742C-4B65-937F-101B803BD6BD}" type="datetimeFigureOut">
               <a:rPr kumimoji="1" lang="ja-JP" altLang="en-US" smtClean="0"/>
-              <a:t>2025/7/2</a:t>
+              <a:t>2025/7/9</a:t>
             </a:fld>
             <a:endParaRPr kumimoji="1" lang="ja-JP" altLang="en-US"/>
           </a:p>
@@ -899,7 +896,7 @@
           <a:p>
             <a:fld id="{42CDF164-742C-4B65-937F-101B803BD6BD}" type="datetimeFigureOut">
               <a:rPr kumimoji="1" lang="ja-JP" altLang="en-US" smtClean="0"/>
-              <a:t>2025/7/2</a:t>
+              <a:t>2025/7/9</a:t>
             </a:fld>
             <a:endParaRPr kumimoji="1" lang="ja-JP" altLang="en-US"/>
           </a:p>
@@ -1145,7 +1142,7 @@
           <a:p>
             <a:fld id="{42CDF164-742C-4B65-937F-101B803BD6BD}" type="datetimeFigureOut">
               <a:rPr kumimoji="1" lang="ja-JP" altLang="en-US" smtClean="0"/>
-              <a:t>2025/7/2</a:t>
+              <a:t>2025/7/9</a:t>
             </a:fld>
             <a:endParaRPr kumimoji="1" lang="ja-JP" altLang="en-US"/>
           </a:p>
@@ -1441,7 +1438,7 @@
           <a:p>
             <a:fld id="{42CDF164-742C-4B65-937F-101B803BD6BD}" type="datetimeFigureOut">
               <a:rPr kumimoji="1" lang="ja-JP" altLang="en-US" smtClean="0"/>
-              <a:t>2025/7/2</a:t>
+              <a:t>2025/7/9</a:t>
             </a:fld>
             <a:endParaRPr kumimoji="1" lang="ja-JP" altLang="en-US"/>
           </a:p>
@@ -1872,7 +1869,7 @@
           <a:p>
             <a:fld id="{42CDF164-742C-4B65-937F-101B803BD6BD}" type="datetimeFigureOut">
               <a:rPr kumimoji="1" lang="ja-JP" altLang="en-US" smtClean="0"/>
-              <a:t>2025/7/2</a:t>
+              <a:t>2025/7/9</a:t>
             </a:fld>
             <a:endParaRPr kumimoji="1" lang="ja-JP" altLang="en-US"/>
           </a:p>
@@ -1990,7 +1987,7 @@
           <a:p>
             <a:fld id="{42CDF164-742C-4B65-937F-101B803BD6BD}" type="datetimeFigureOut">
               <a:rPr kumimoji="1" lang="ja-JP" altLang="en-US" smtClean="0"/>
-              <a:t>2025/7/2</a:t>
+              <a:t>2025/7/9</a:t>
             </a:fld>
             <a:endParaRPr kumimoji="1" lang="ja-JP" altLang="en-US"/>
           </a:p>
@@ -2085,7 +2082,7 @@
           <a:p>
             <a:fld id="{42CDF164-742C-4B65-937F-101B803BD6BD}" type="datetimeFigureOut">
               <a:rPr kumimoji="1" lang="ja-JP" altLang="en-US" smtClean="0"/>
-              <a:t>2025/7/2</a:t>
+              <a:t>2025/7/9</a:t>
             </a:fld>
             <a:endParaRPr kumimoji="1" lang="ja-JP" altLang="en-US"/>
           </a:p>
@@ -2394,7 +2391,7 @@
           <a:p>
             <a:fld id="{42CDF164-742C-4B65-937F-101B803BD6BD}" type="datetimeFigureOut">
               <a:rPr kumimoji="1" lang="ja-JP" altLang="en-US" smtClean="0"/>
-              <a:t>2025/7/2</a:t>
+              <a:t>2025/7/9</a:t>
             </a:fld>
             <a:endParaRPr kumimoji="1" lang="ja-JP" altLang="en-US"/>
           </a:p>
@@ -2651,7 +2648,7 @@
           <a:p>
             <a:fld id="{42CDF164-742C-4B65-937F-101B803BD6BD}" type="datetimeFigureOut">
               <a:rPr kumimoji="1" lang="ja-JP" altLang="en-US" smtClean="0"/>
-              <a:t>2025/7/2</a:t>
+              <a:t>2025/7/9</a:t>
             </a:fld>
             <a:endParaRPr kumimoji="1" lang="ja-JP" altLang="en-US"/>
           </a:p>
@@ -2896,7 +2893,7 @@
           <a:p>
             <a:fld id="{42CDF164-742C-4B65-937F-101B803BD6BD}" type="datetimeFigureOut">
               <a:rPr kumimoji="1" lang="ja-JP" altLang="en-US" smtClean="0"/>
-              <a:t>2025/7/2</a:t>
+              <a:t>2025/7/9</a:t>
             </a:fld>
             <a:endParaRPr kumimoji="1" lang="ja-JP" altLang="en-US"/>
           </a:p>
@@ -3317,12 +3314,35 @@
             <p:ph type="subTitle" idx="1"/>
           </p:nvPr>
         </p:nvSpPr>
-        <p:spPr/>
-        <p:txBody>
-          <a:bodyPr/>
-          <a:lstStyle/>
-          <a:p>
-            <a:endParaRPr kumimoji="1" lang="ja-JP" altLang="en-US"/>
+        <p:spPr>
+          <a:xfrm>
+            <a:off x="1447800" y="1381352"/>
+            <a:ext cx="9144000" cy="3430134"/>
+          </a:xfrm>
+        </p:spPr>
+        <p:txBody>
+          <a:bodyPr/>
+          <a:lstStyle/>
+          <a:p>
+            <a:r>
+              <a:rPr kumimoji="1" lang="ja-JP" altLang="en-US" dirty="0"/>
+              <a:t>順位</a:t>
+            </a:r>
+            <a:endParaRPr kumimoji="1" lang="en-US" altLang="ja-JP" dirty="0"/>
+          </a:p>
+          <a:p>
+            <a:r>
+              <a:rPr kumimoji="1" lang="ja-JP" altLang="en-US" dirty="0"/>
+              <a:t>１位　・・・・</a:t>
+            </a:r>
+            <a:endParaRPr kumimoji="1" lang="en-US" altLang="ja-JP" dirty="0"/>
+          </a:p>
+          <a:p>
+            <a:r>
+              <a:rPr lang="ja-JP" altLang="en-US" dirty="0"/>
+              <a:t>２位　・・・・</a:t>
+            </a:r>
+            <a:endParaRPr kumimoji="1" lang="ja-JP" altLang="en-US" dirty="0"/>
           </a:p>
         </p:txBody>
       </p:sp>
